--- a/proposal/figures/accelerator-stack.pptx
+++ b/proposal/figures/accelerator-stack.pptx
@@ -5,7 +5,7 @@
     <p:sldMasterId id="2147483648" r:id="rId1"/>
   </p:sldMasterIdLst>
   <p:sldIdLst>
-    <p:sldId id="258" r:id="rId2"/>
+    <p:sldId id="260" r:id="rId2"/>
   </p:sldIdLst>
   <p:sldSz cx="12192000" cy="6858000"/>
   <p:notesSz cx="6858000" cy="9144000"/>
@@ -243,7 +243,7 @@
           <a:p>
             <a:fld id="{05188CE3-AAA7-4BC6-8FE6-5597C4BD048E}" type="datetimeFigureOut">
               <a:rPr lang="en-US" smtClean="0"/>
-              <a:t>5/4/2018</a:t>
+              <a:t>5/22/2018</a:t>
             </a:fld>
             <a:endParaRPr lang="en-US"/>
           </a:p>
@@ -413,7 +413,7 @@
           <a:p>
             <a:fld id="{05188CE3-AAA7-4BC6-8FE6-5597C4BD048E}" type="datetimeFigureOut">
               <a:rPr lang="en-US" smtClean="0"/>
-              <a:t>5/4/2018</a:t>
+              <a:t>5/22/2018</a:t>
             </a:fld>
             <a:endParaRPr lang="en-US"/>
           </a:p>
@@ -593,7 +593,7 @@
           <a:p>
             <a:fld id="{05188CE3-AAA7-4BC6-8FE6-5597C4BD048E}" type="datetimeFigureOut">
               <a:rPr lang="en-US" smtClean="0"/>
-              <a:t>5/4/2018</a:t>
+              <a:t>5/22/2018</a:t>
             </a:fld>
             <a:endParaRPr lang="en-US"/>
           </a:p>
@@ -763,7 +763,7 @@
           <a:p>
             <a:fld id="{05188CE3-AAA7-4BC6-8FE6-5597C4BD048E}" type="datetimeFigureOut">
               <a:rPr lang="en-US" smtClean="0"/>
-              <a:t>5/4/2018</a:t>
+              <a:t>5/22/2018</a:t>
             </a:fld>
             <a:endParaRPr lang="en-US"/>
           </a:p>
@@ -1009,7 +1009,7 @@
           <a:p>
             <a:fld id="{05188CE3-AAA7-4BC6-8FE6-5597C4BD048E}" type="datetimeFigureOut">
               <a:rPr lang="en-US" smtClean="0"/>
-              <a:t>5/4/2018</a:t>
+              <a:t>5/22/2018</a:t>
             </a:fld>
             <a:endParaRPr lang="en-US"/>
           </a:p>
@@ -1241,7 +1241,7 @@
           <a:p>
             <a:fld id="{05188CE3-AAA7-4BC6-8FE6-5597C4BD048E}" type="datetimeFigureOut">
               <a:rPr lang="en-US" smtClean="0"/>
-              <a:t>5/4/2018</a:t>
+              <a:t>5/22/2018</a:t>
             </a:fld>
             <a:endParaRPr lang="en-US"/>
           </a:p>
@@ -1608,7 +1608,7 @@
           <a:p>
             <a:fld id="{05188CE3-AAA7-4BC6-8FE6-5597C4BD048E}" type="datetimeFigureOut">
               <a:rPr lang="en-US" smtClean="0"/>
-              <a:t>5/4/2018</a:t>
+              <a:t>5/22/2018</a:t>
             </a:fld>
             <a:endParaRPr lang="en-US"/>
           </a:p>
@@ -1726,7 +1726,7 @@
           <a:p>
             <a:fld id="{05188CE3-AAA7-4BC6-8FE6-5597C4BD048E}" type="datetimeFigureOut">
               <a:rPr lang="en-US" smtClean="0"/>
-              <a:t>5/4/2018</a:t>
+              <a:t>5/22/2018</a:t>
             </a:fld>
             <a:endParaRPr lang="en-US"/>
           </a:p>
@@ -1821,7 +1821,7 @@
           <a:p>
             <a:fld id="{05188CE3-AAA7-4BC6-8FE6-5597C4BD048E}" type="datetimeFigureOut">
               <a:rPr lang="en-US" smtClean="0"/>
-              <a:t>5/4/2018</a:t>
+              <a:t>5/22/2018</a:t>
             </a:fld>
             <a:endParaRPr lang="en-US"/>
           </a:p>
@@ -2098,7 +2098,7 @@
           <a:p>
             <a:fld id="{05188CE3-AAA7-4BC6-8FE6-5597C4BD048E}" type="datetimeFigureOut">
               <a:rPr lang="en-US" smtClean="0"/>
-              <a:t>5/4/2018</a:t>
+              <a:t>5/22/2018</a:t>
             </a:fld>
             <a:endParaRPr lang="en-US"/>
           </a:p>
@@ -2351,7 +2351,7 @@
           <a:p>
             <a:fld id="{05188CE3-AAA7-4BC6-8FE6-5597C4BD048E}" type="datetimeFigureOut">
               <a:rPr lang="en-US" smtClean="0"/>
-              <a:t>5/4/2018</a:t>
+              <a:t>5/22/2018</a:t>
             </a:fld>
             <a:endParaRPr lang="en-US"/>
           </a:p>
@@ -2564,7 +2564,7 @@
           <a:p>
             <a:fld id="{05188CE3-AAA7-4BC6-8FE6-5597C4BD048E}" type="datetimeFigureOut">
               <a:rPr lang="en-US" smtClean="0"/>
-              <a:t>5/4/2018</a:t>
+              <a:t>5/22/2018</a:t>
             </a:fld>
             <a:endParaRPr lang="en-US"/>
           </a:p>
@@ -2977,7 +2977,7 @@
         </p:nvSpPr>
         <p:spPr>
           <a:xfrm>
-            <a:off x="1097893" y="4960540"/>
+            <a:off x="1897993" y="4960540"/>
             <a:ext cx="4247056" cy="1462403"/>
           </a:xfrm>
           <a:prstGeom prst="roundRect">
@@ -3014,11 +3014,36 @@
           <a:bodyPr rtlCol="0" anchor="ctr"/>
           <a:lstStyle/>
           <a:p>
-            <a:pPr algn="ctr"/>
-            <a:endParaRPr lang="en-US" dirty="0">
+            <a:pPr marL="0" marR="0" lvl="0" indent="0" algn="ctr" defTabSz="914400" rtl="0" eaLnBrk="1" fontAlgn="auto" latinLnBrk="0" hangingPunct="1">
+              <a:lnSpc>
+                <a:spcPct val="100000"/>
+              </a:lnSpc>
+              <a:spcBef>
+                <a:spcPts val="0"/>
+              </a:spcBef>
+              <a:spcAft>
+                <a:spcPts val="0"/>
+              </a:spcAft>
+              <a:buClrTx/>
+              <a:buSzTx/>
+              <a:buFontTx/>
+              <a:buNone/>
+              <a:tabLst/>
+              <a:defRPr/>
+            </a:pPr>
+            <a:endParaRPr kumimoji="0" lang="en-US" sz="1800" b="0" i="0" u="none" strike="noStrike" kern="1200" cap="none" spc="0" normalizeH="0" baseline="0" noProof="0" dirty="0">
+              <a:ln>
+                <a:noFill/>
+              </a:ln>
               <a:solidFill>
-                <a:schemeClr val="tx1"/>
+                <a:prstClr val="black"/>
               </a:solidFill>
+              <a:effectLst/>
+              <a:uLnTx/>
+              <a:uFillTx/>
+              <a:latin typeface="Calibri" panose="020F0502020204030204"/>
+              <a:ea typeface="+mn-ea"/>
+              <a:cs typeface="+mn-cs"/>
             </a:endParaRPr>
           </a:p>
         </p:txBody>
@@ -3031,7 +3056,7 @@
         </p:nvSpPr>
         <p:spPr>
           <a:xfrm>
-            <a:off x="1117600" y="6102210"/>
+            <a:off x="1917700" y="6102210"/>
             <a:ext cx="2118319" cy="369332"/>
           </a:xfrm>
           <a:prstGeom prst="rect">
@@ -3045,241 +3070,54 @@
           </a:bodyPr>
           <a:lstStyle/>
           <a:p>
-            <a:r>
-              <a:rPr lang="en-US" dirty="0" smtClean="0"/>
+            <a:pPr marL="0" marR="0" lvl="0" indent="0" algn="l" defTabSz="914400" rtl="0" eaLnBrk="1" fontAlgn="auto" latinLnBrk="0" hangingPunct="1">
+              <a:lnSpc>
+                <a:spcPct val="100000"/>
+              </a:lnSpc>
+              <a:spcBef>
+                <a:spcPts val="0"/>
+              </a:spcBef>
+              <a:spcAft>
+                <a:spcPts val="0"/>
+              </a:spcAft>
+              <a:buClrTx/>
+              <a:buSzTx/>
+              <a:buFontTx/>
+              <a:buNone/>
+              <a:tabLst/>
+              <a:defRPr/>
+            </a:pPr>
+            <a:r>
+              <a:rPr kumimoji="0" lang="en-US" sz="1800" b="0" i="0" u="none" strike="noStrike" kern="1200" cap="none" spc="0" normalizeH="0" baseline="0" noProof="0" dirty="0" smtClean="0">
+                <a:ln>
+                  <a:noFill/>
+                </a:ln>
+                <a:solidFill>
+                  <a:prstClr val="black"/>
+                </a:solidFill>
+                <a:effectLst/>
+                <a:uLnTx/>
+                <a:uFillTx/>
+                <a:latin typeface="Calibri" panose="020F0502020204030204"/>
+                <a:ea typeface="+mn-ea"/>
+                <a:cs typeface="+mn-cs"/>
+              </a:rPr>
               <a:t>Flash Drive</a:t>
             </a:r>
-            <a:endParaRPr lang="en-US" dirty="0"/>
-          </a:p>
-        </p:txBody>
-      </p:sp>
-      <p:sp>
-        <p:nvSpPr>
-          <p:cNvPr id="14" name="Rounded Rectangle 13"/>
-          <p:cNvSpPr/>
-          <p:nvPr/>
-        </p:nvSpPr>
-        <p:spPr>
-          <a:xfrm>
-            <a:off x="1117600" y="1520351"/>
-            <a:ext cx="4227348" cy="3013549"/>
-          </a:xfrm>
-          <a:prstGeom prst="roundRect">
-            <a:avLst>
-              <a:gd name="adj" fmla="val 5655"/>
-            </a:avLst>
-          </a:prstGeom>
-          <a:solidFill>
-            <a:schemeClr val="bg1"/>
-          </a:solidFill>
-          <a:ln>
-            <a:solidFill>
-              <a:schemeClr val="tx1"/>
-            </a:solidFill>
-            <a:headEnd type="none" w="med" len="med"/>
-            <a:tailEnd type="none" w="med" len="med"/>
-          </a:ln>
-        </p:spPr>
-        <p:style>
-          <a:lnRef idx="0">
-            <a:schemeClr val="accent3"/>
-          </a:lnRef>
-          <a:fillRef idx="3">
-            <a:schemeClr val="accent3"/>
-          </a:fillRef>
-          <a:effectRef idx="3">
-            <a:schemeClr val="accent3"/>
-          </a:effectRef>
-          <a:fontRef idx="minor">
-            <a:schemeClr val="lt1"/>
-          </a:fontRef>
-        </p:style>
-        <p:txBody>
-          <a:bodyPr rtlCol="0" anchor="ctr"/>
-          <a:lstStyle/>
-          <a:p>
-            <a:pPr algn="ctr"/>
-            <a:endParaRPr lang="en-US" dirty="0">
+            <a:endParaRPr kumimoji="0" lang="en-US" sz="1800" b="0" i="0" u="none" strike="noStrike" kern="1200" cap="none" spc="0" normalizeH="0" baseline="0" noProof="0" dirty="0">
+              <a:ln>
+                <a:noFill/>
+              </a:ln>
               <a:solidFill>
-                <a:schemeClr val="tx1"/>
+                <a:prstClr val="black"/>
               </a:solidFill>
+              <a:effectLst/>
+              <a:uLnTx/>
+              <a:uFillTx/>
+              <a:latin typeface="Calibri" panose="020F0502020204030204"/>
+              <a:ea typeface="+mn-ea"/>
+              <a:cs typeface="+mn-cs"/>
             </a:endParaRPr>
-          </a:p>
-        </p:txBody>
-      </p:sp>
-      <p:sp>
-        <p:nvSpPr>
-          <p:cNvPr id="12" name="Rounded Rectangle 11"/>
-          <p:cNvSpPr/>
-          <p:nvPr/>
-        </p:nvSpPr>
-        <p:spPr>
-          <a:xfrm>
-            <a:off x="1213945" y="3005999"/>
-            <a:ext cx="4014952" cy="551785"/>
-          </a:xfrm>
-          <a:prstGeom prst="roundRect">
-            <a:avLst/>
-          </a:prstGeom>
-          <a:ln>
-            <a:headEnd type="none" w="med" len="med"/>
-            <a:tailEnd type="none" w="med" len="med"/>
-          </a:ln>
-        </p:spPr>
-        <p:style>
-          <a:lnRef idx="0">
-            <a:schemeClr val="accent3"/>
-          </a:lnRef>
-          <a:fillRef idx="3">
-            <a:schemeClr val="accent3"/>
-          </a:fillRef>
-          <a:effectRef idx="3">
-            <a:schemeClr val="accent3"/>
-          </a:effectRef>
-          <a:fontRef idx="minor">
-            <a:schemeClr val="lt1"/>
-          </a:fontRef>
-        </p:style>
-        <p:txBody>
-          <a:bodyPr rtlCol="0" anchor="ctr"/>
-          <a:lstStyle/>
-          <a:p>
-            <a:pPr algn="ctr"/>
-            <a:r>
-              <a:rPr lang="en-US" dirty="0" smtClean="0"/>
-              <a:t>Query Optimizer</a:t>
-            </a:r>
-            <a:endParaRPr lang="en-US" dirty="0"/>
-          </a:p>
-        </p:txBody>
-      </p:sp>
-      <p:sp>
-        <p:nvSpPr>
-          <p:cNvPr id="7" name="Rounded Rectangle 6"/>
-          <p:cNvSpPr/>
-          <p:nvPr/>
-        </p:nvSpPr>
-        <p:spPr>
-          <a:xfrm>
-            <a:off x="1213945" y="3662863"/>
-            <a:ext cx="4014952" cy="551785"/>
-          </a:xfrm>
-          <a:prstGeom prst="roundRect">
-            <a:avLst/>
-          </a:prstGeom>
-        </p:spPr>
-        <p:style>
-          <a:lnRef idx="0">
-            <a:schemeClr val="accent5"/>
-          </a:lnRef>
-          <a:fillRef idx="3">
-            <a:schemeClr val="accent5"/>
-          </a:fillRef>
-          <a:effectRef idx="3">
-            <a:schemeClr val="accent5"/>
-          </a:effectRef>
-          <a:fontRef idx="minor">
-            <a:schemeClr val="lt1"/>
-          </a:fontRef>
-        </p:style>
-        <p:txBody>
-          <a:bodyPr rtlCol="0" anchor="ctr"/>
-          <a:lstStyle/>
-          <a:p>
-            <a:pPr algn="ctr"/>
-            <a:r>
-              <a:rPr lang="en-US" dirty="0" smtClean="0"/>
-              <a:t>Query Executor</a:t>
-            </a:r>
-            <a:endParaRPr lang="en-US" dirty="0"/>
-          </a:p>
-        </p:txBody>
-      </p:sp>
-      <p:sp>
-        <p:nvSpPr>
-          <p:cNvPr id="9" name="Rounded Rectangle 8"/>
-          <p:cNvSpPr/>
-          <p:nvPr/>
-        </p:nvSpPr>
-        <p:spPr>
-          <a:xfrm>
-            <a:off x="1213945" y="2333340"/>
-            <a:ext cx="4014952" cy="551785"/>
-          </a:xfrm>
-          <a:prstGeom prst="roundRect">
-            <a:avLst/>
-          </a:prstGeom>
-        </p:spPr>
-        <p:style>
-          <a:lnRef idx="2">
-            <a:schemeClr val="accent6">
-              <a:shade val="50000"/>
-            </a:schemeClr>
-          </a:lnRef>
-          <a:fillRef idx="1">
-            <a:schemeClr val="accent6"/>
-          </a:fillRef>
-          <a:effectRef idx="0">
-            <a:schemeClr val="accent6"/>
-          </a:effectRef>
-          <a:fontRef idx="minor">
-            <a:schemeClr val="lt1"/>
-          </a:fontRef>
-        </p:style>
-        <p:txBody>
-          <a:bodyPr rtlCol="0" anchor="ctr"/>
-          <a:lstStyle/>
-          <a:p>
-            <a:pPr algn="ctr"/>
-            <a:r>
-              <a:rPr lang="en-US" dirty="0" smtClean="0"/>
-              <a:t>Query Rewriter</a:t>
-            </a:r>
-            <a:endParaRPr lang="en-US" dirty="0"/>
-          </a:p>
-        </p:txBody>
-      </p:sp>
-      <p:sp>
-        <p:nvSpPr>
-          <p:cNvPr id="10" name="Rounded Rectangle 9"/>
-          <p:cNvSpPr/>
-          <p:nvPr/>
-        </p:nvSpPr>
-        <p:spPr>
-          <a:xfrm>
-            <a:off x="1213945" y="1684302"/>
-            <a:ext cx="4014952" cy="551785"/>
-          </a:xfrm>
-          <a:prstGeom prst="roundRect">
-            <a:avLst/>
-          </a:prstGeom>
-        </p:spPr>
-        <p:style>
-          <a:lnRef idx="2">
-            <a:schemeClr val="accent2">
-              <a:shade val="50000"/>
-            </a:schemeClr>
-          </a:lnRef>
-          <a:fillRef idx="1">
-            <a:schemeClr val="accent2"/>
-          </a:fillRef>
-          <a:effectRef idx="0">
-            <a:schemeClr val="accent2"/>
-          </a:effectRef>
-          <a:fontRef idx="minor">
-            <a:schemeClr val="lt1"/>
-          </a:fontRef>
-        </p:style>
-        <p:txBody>
-          <a:bodyPr rtlCol="0" anchor="ctr"/>
-          <a:lstStyle/>
-          <a:p>
-            <a:pPr algn="ctr"/>
-            <a:r>
-              <a:rPr lang="en-US" dirty="0" smtClean="0"/>
-              <a:t>Query Parser</a:t>
-            </a:r>
-            <a:endParaRPr lang="en-US" dirty="0"/>
           </a:p>
         </p:txBody>
       </p:sp>
@@ -3291,7 +3129,7 @@
         </p:nvCxnSpPr>
         <p:spPr>
           <a:xfrm>
-            <a:off x="3221421" y="1277007"/>
+            <a:off x="3945541" y="1728441"/>
             <a:ext cx="0" cy="407295"/>
           </a:xfrm>
           <a:prstGeom prst="straightConnector1">
@@ -3325,7 +3163,7 @@
         </p:nvSpPr>
         <p:spPr>
           <a:xfrm>
-            <a:off x="2444092" y="905916"/>
+            <a:off x="3146332" y="1420928"/>
             <a:ext cx="1574363" cy="369332"/>
           </a:xfrm>
           <a:prstGeom prst="rect">
@@ -3339,45 +3177,567 @@
           </a:bodyPr>
           <a:lstStyle/>
           <a:p>
-            <a:pPr algn="ctr"/>
-            <a:r>
-              <a:rPr lang="en-US" i="1" dirty="0" smtClean="0"/>
+            <a:pPr marL="0" marR="0" lvl="0" indent="0" algn="ctr" defTabSz="914400" rtl="0" eaLnBrk="1" fontAlgn="auto" latinLnBrk="0" hangingPunct="1">
+              <a:lnSpc>
+                <a:spcPct val="100000"/>
+              </a:lnSpc>
+              <a:spcBef>
+                <a:spcPts val="0"/>
+              </a:spcBef>
+              <a:spcAft>
+                <a:spcPts val="0"/>
+              </a:spcAft>
+              <a:buClrTx/>
+              <a:buSzTx/>
+              <a:buFontTx/>
+              <a:buNone/>
+              <a:tabLst/>
+              <a:defRPr/>
+            </a:pPr>
+            <a:r>
+              <a:rPr kumimoji="0" lang="en-US" sz="1800" b="0" i="1" u="none" strike="noStrike" kern="1200" cap="none" spc="0" normalizeH="0" baseline="0" noProof="0" dirty="0" smtClean="0">
+                <a:ln>
+                  <a:noFill/>
+                </a:ln>
+                <a:solidFill>
+                  <a:prstClr val="black"/>
+                </a:solidFill>
+                <a:effectLst/>
+                <a:uLnTx/>
+                <a:uFillTx/>
+                <a:latin typeface="Calibri" panose="020F0502020204030204"/>
+                <a:ea typeface="+mn-ea"/>
+                <a:cs typeface="+mn-cs"/>
+              </a:rPr>
               <a:t>SQL Queries</a:t>
             </a:r>
-            <a:endParaRPr lang="en-US" i="1" dirty="0"/>
-          </a:p>
-        </p:txBody>
-      </p:sp>
-      <p:sp>
-        <p:nvSpPr>
-          <p:cNvPr id="5" name="TextBox 4"/>
-          <p:cNvSpPr txBox="1"/>
+            <a:endParaRPr kumimoji="0" lang="en-US" sz="1800" b="0" i="1" u="none" strike="noStrike" kern="1200" cap="none" spc="0" normalizeH="0" baseline="0" noProof="0" dirty="0">
+              <a:ln>
+                <a:noFill/>
+              </a:ln>
+              <a:solidFill>
+                <a:prstClr val="black"/>
+              </a:solidFill>
+              <a:effectLst/>
+              <a:uLnTx/>
+              <a:uFillTx/>
+              <a:latin typeface="Calibri" panose="020F0502020204030204"/>
+              <a:ea typeface="+mn-ea"/>
+              <a:cs typeface="+mn-cs"/>
+            </a:endParaRPr>
+          </a:p>
+        </p:txBody>
+      </p:sp>
+      <p:grpSp>
+        <p:nvGrpSpPr>
+          <p:cNvPr id="2" name="Group 1"/>
+          <p:cNvGrpSpPr/>
           <p:nvPr/>
-        </p:nvSpPr>
-        <p:spPr>
+        </p:nvGrpSpPr>
+        <p:grpSpPr>
           <a:xfrm>
-            <a:off x="1097892" y="4200196"/>
-            <a:ext cx="2699407" cy="369332"/>
+            <a:off x="2904408" y="2119886"/>
+            <a:ext cx="2067853" cy="2264772"/>
+            <a:chOff x="1117600" y="1520351"/>
+            <a:chExt cx="4227348" cy="3098806"/>
           </a:xfrm>
-          <a:prstGeom prst="rect">
-            <a:avLst/>
-          </a:prstGeom>
-          <a:noFill/>
-        </p:spPr>
-        <p:txBody>
-          <a:bodyPr wrap="square" rtlCol="0">
-            <a:spAutoFit/>
-          </a:bodyPr>
-          <a:lstStyle/>
-          <a:p>
-            <a:r>
-              <a:rPr lang="en-US" dirty="0" smtClean="0"/>
-              <a:t>Query Processor Software</a:t>
-            </a:r>
-            <a:endParaRPr lang="en-US" dirty="0"/>
-          </a:p>
-        </p:txBody>
-      </p:sp>
+        </p:grpSpPr>
+        <p:sp>
+          <p:nvSpPr>
+            <p:cNvPr id="14" name="Rounded Rectangle 13"/>
+            <p:cNvSpPr/>
+            <p:nvPr/>
+          </p:nvSpPr>
+          <p:spPr>
+            <a:xfrm>
+              <a:off x="1117600" y="1520351"/>
+              <a:ext cx="4227348" cy="3013549"/>
+            </a:xfrm>
+            <a:prstGeom prst="roundRect">
+              <a:avLst>
+                <a:gd name="adj" fmla="val 5655"/>
+              </a:avLst>
+            </a:prstGeom>
+            <a:solidFill>
+              <a:schemeClr val="bg1"/>
+            </a:solidFill>
+            <a:ln>
+              <a:solidFill>
+                <a:schemeClr val="tx1"/>
+              </a:solidFill>
+              <a:headEnd type="none" w="med" len="med"/>
+              <a:tailEnd type="none" w="med" len="med"/>
+            </a:ln>
+          </p:spPr>
+          <p:style>
+            <a:lnRef idx="0">
+              <a:schemeClr val="accent3"/>
+            </a:lnRef>
+            <a:fillRef idx="3">
+              <a:schemeClr val="accent3"/>
+            </a:fillRef>
+            <a:effectRef idx="3">
+              <a:schemeClr val="accent3"/>
+            </a:effectRef>
+            <a:fontRef idx="minor">
+              <a:schemeClr val="lt1"/>
+            </a:fontRef>
+          </p:style>
+          <p:txBody>
+            <a:bodyPr rtlCol="0" anchor="ctr"/>
+            <a:lstStyle/>
+            <a:p>
+              <a:pPr marL="0" marR="0" lvl="0" indent="0" algn="ctr" defTabSz="914400" rtl="0" eaLnBrk="1" fontAlgn="auto" latinLnBrk="0" hangingPunct="1">
+                <a:lnSpc>
+                  <a:spcPct val="100000"/>
+                </a:lnSpc>
+                <a:spcBef>
+                  <a:spcPts val="0"/>
+                </a:spcBef>
+                <a:spcAft>
+                  <a:spcPts val="0"/>
+                </a:spcAft>
+                <a:buClrTx/>
+                <a:buSzTx/>
+                <a:buFontTx/>
+                <a:buNone/>
+                <a:tabLst/>
+                <a:defRPr/>
+              </a:pPr>
+              <a:endParaRPr kumimoji="0" lang="en-US" sz="1800" b="0" i="0" u="none" strike="noStrike" kern="1200" cap="none" spc="0" normalizeH="0" baseline="0" noProof="0" dirty="0">
+                <a:ln>
+                  <a:noFill/>
+                </a:ln>
+                <a:solidFill>
+                  <a:prstClr val="black"/>
+                </a:solidFill>
+                <a:effectLst/>
+                <a:uLnTx/>
+                <a:uFillTx/>
+                <a:latin typeface="Calibri" panose="020F0502020204030204"/>
+                <a:ea typeface="+mn-ea"/>
+                <a:cs typeface="+mn-cs"/>
+              </a:endParaRPr>
+            </a:p>
+          </p:txBody>
+        </p:sp>
+        <p:sp>
+          <p:nvSpPr>
+            <p:cNvPr id="12" name="Rounded Rectangle 11"/>
+            <p:cNvSpPr/>
+            <p:nvPr/>
+          </p:nvSpPr>
+          <p:spPr>
+            <a:xfrm>
+              <a:off x="1213945" y="3005999"/>
+              <a:ext cx="4014952" cy="551785"/>
+            </a:xfrm>
+            <a:prstGeom prst="roundRect">
+              <a:avLst/>
+            </a:prstGeom>
+            <a:solidFill>
+              <a:schemeClr val="accent3"/>
+            </a:solidFill>
+            <a:ln>
+              <a:noFill/>
+            </a:ln>
+          </p:spPr>
+          <p:style>
+            <a:lnRef idx="0">
+              <a:scrgbClr r="0" g="0" b="0"/>
+            </a:lnRef>
+            <a:fillRef idx="0">
+              <a:scrgbClr r="0" g="0" b="0"/>
+            </a:fillRef>
+            <a:effectRef idx="0">
+              <a:scrgbClr r="0" g="0" b="0"/>
+            </a:effectRef>
+            <a:fontRef idx="minor">
+              <a:schemeClr val="lt1"/>
+            </a:fontRef>
+          </p:style>
+          <p:txBody>
+            <a:bodyPr rtlCol="0" anchor="ctr"/>
+            <a:lstStyle/>
+            <a:p>
+              <a:pPr marL="0" marR="0" lvl="0" indent="0" algn="ctr" defTabSz="914400" rtl="0" eaLnBrk="1" fontAlgn="auto" latinLnBrk="0" hangingPunct="1">
+                <a:lnSpc>
+                  <a:spcPct val="100000"/>
+                </a:lnSpc>
+                <a:spcBef>
+                  <a:spcPts val="0"/>
+                </a:spcBef>
+                <a:spcAft>
+                  <a:spcPts val="0"/>
+                </a:spcAft>
+                <a:buClrTx/>
+                <a:buSzTx/>
+                <a:buFontTx/>
+                <a:buNone/>
+                <a:tabLst/>
+                <a:defRPr/>
+              </a:pPr>
+              <a:r>
+                <a:rPr kumimoji="0" lang="en-US" sz="1800" b="0" i="0" u="none" strike="noStrike" kern="1200" cap="none" spc="0" normalizeH="0" baseline="0" noProof="0" dirty="0">
+                  <a:ln>
+                    <a:noFill/>
+                  </a:ln>
+                  <a:solidFill>
+                    <a:prstClr val="white"/>
+                  </a:solidFill>
+                  <a:effectLst/>
+                  <a:uLnTx/>
+                  <a:uFillTx/>
+                  <a:latin typeface="Calibri" panose="020F0502020204030204"/>
+                  <a:ea typeface="+mn-ea"/>
+                  <a:cs typeface="+mn-cs"/>
+                </a:rPr>
+                <a:t>Query Optimizer</a:t>
+              </a:r>
+            </a:p>
+          </p:txBody>
+        </p:sp>
+        <p:sp>
+          <p:nvSpPr>
+            <p:cNvPr id="7" name="Rounded Rectangle 6"/>
+            <p:cNvSpPr/>
+            <p:nvPr/>
+          </p:nvSpPr>
+          <p:spPr>
+            <a:xfrm>
+              <a:off x="1213945" y="3662863"/>
+              <a:ext cx="4014952" cy="551785"/>
+            </a:xfrm>
+            <a:prstGeom prst="roundRect">
+              <a:avLst/>
+            </a:prstGeom>
+          </p:spPr>
+          <p:style>
+            <a:lnRef idx="0">
+              <a:schemeClr val="accent2"/>
+            </a:lnRef>
+            <a:fillRef idx="3">
+              <a:schemeClr val="accent2"/>
+            </a:fillRef>
+            <a:effectRef idx="3">
+              <a:schemeClr val="accent2"/>
+            </a:effectRef>
+            <a:fontRef idx="minor">
+              <a:schemeClr val="lt1"/>
+            </a:fontRef>
+          </p:style>
+          <p:txBody>
+            <a:bodyPr rtlCol="0" anchor="ctr"/>
+            <a:lstStyle/>
+            <a:p>
+              <a:pPr marL="0" marR="0" lvl="0" indent="0" algn="ctr" defTabSz="914400" rtl="0" eaLnBrk="1" fontAlgn="auto" latinLnBrk="0" hangingPunct="1">
+                <a:lnSpc>
+                  <a:spcPct val="100000"/>
+                </a:lnSpc>
+                <a:spcBef>
+                  <a:spcPts val="0"/>
+                </a:spcBef>
+                <a:spcAft>
+                  <a:spcPts val="0"/>
+                </a:spcAft>
+                <a:buClrTx/>
+                <a:buSzTx/>
+                <a:buFontTx/>
+                <a:buNone/>
+                <a:tabLst/>
+                <a:defRPr/>
+              </a:pPr>
+              <a:r>
+                <a:rPr kumimoji="0" lang="en-US" sz="1800" b="0" i="0" u="none" strike="noStrike" kern="1200" cap="none" spc="0" normalizeH="0" baseline="0" noProof="0" dirty="0" smtClean="0">
+                  <a:ln>
+                    <a:noFill/>
+                  </a:ln>
+                  <a:solidFill>
+                    <a:prstClr val="white"/>
+                  </a:solidFill>
+                  <a:effectLst/>
+                  <a:uLnTx/>
+                  <a:uFillTx/>
+                  <a:latin typeface="Calibri" panose="020F0502020204030204"/>
+                  <a:ea typeface="+mn-ea"/>
+                  <a:cs typeface="+mn-cs"/>
+                </a:rPr>
+                <a:t>Query Executor</a:t>
+              </a:r>
+              <a:endParaRPr kumimoji="0" lang="en-US" sz="1800" b="0" i="0" u="none" strike="noStrike" kern="1200" cap="none" spc="0" normalizeH="0" baseline="0" noProof="0" dirty="0">
+                <a:ln>
+                  <a:noFill/>
+                </a:ln>
+                <a:solidFill>
+                  <a:prstClr val="white"/>
+                </a:solidFill>
+                <a:effectLst/>
+                <a:uLnTx/>
+                <a:uFillTx/>
+                <a:latin typeface="Calibri" panose="020F0502020204030204"/>
+                <a:ea typeface="+mn-ea"/>
+                <a:cs typeface="+mn-cs"/>
+              </a:endParaRPr>
+            </a:p>
+          </p:txBody>
+        </p:sp>
+        <p:sp>
+          <p:nvSpPr>
+            <p:cNvPr id="9" name="Rounded Rectangle 8"/>
+            <p:cNvSpPr/>
+            <p:nvPr/>
+          </p:nvSpPr>
+          <p:spPr>
+            <a:xfrm>
+              <a:off x="1213945" y="2333340"/>
+              <a:ext cx="4014952" cy="551785"/>
+            </a:xfrm>
+            <a:prstGeom prst="roundRect">
+              <a:avLst/>
+            </a:prstGeom>
+            <a:solidFill>
+              <a:schemeClr val="accent3"/>
+            </a:solidFill>
+            <a:ln>
+              <a:noFill/>
+            </a:ln>
+          </p:spPr>
+          <p:style>
+            <a:lnRef idx="0">
+              <a:scrgbClr r="0" g="0" b="0"/>
+            </a:lnRef>
+            <a:fillRef idx="0">
+              <a:scrgbClr r="0" g="0" b="0"/>
+            </a:fillRef>
+            <a:effectRef idx="0">
+              <a:scrgbClr r="0" g="0" b="0"/>
+            </a:effectRef>
+            <a:fontRef idx="minor">
+              <a:schemeClr val="lt1"/>
+            </a:fontRef>
+          </p:style>
+          <p:txBody>
+            <a:bodyPr rtlCol="0" anchor="ctr"/>
+            <a:lstStyle/>
+            <a:p>
+              <a:pPr marL="0" marR="0" lvl="0" indent="0" algn="ctr" defTabSz="914400" rtl="0" eaLnBrk="1" fontAlgn="auto" latinLnBrk="0" hangingPunct="1">
+                <a:lnSpc>
+                  <a:spcPct val="100000"/>
+                </a:lnSpc>
+                <a:spcBef>
+                  <a:spcPts val="0"/>
+                </a:spcBef>
+                <a:spcAft>
+                  <a:spcPts val="0"/>
+                </a:spcAft>
+                <a:buClrTx/>
+                <a:buSzTx/>
+                <a:buFontTx/>
+                <a:buNone/>
+                <a:tabLst/>
+                <a:defRPr/>
+              </a:pPr>
+              <a:r>
+                <a:rPr kumimoji="0" lang="en-US" sz="1800" b="0" i="0" u="none" strike="noStrike" kern="1200" cap="none" spc="0" normalizeH="0" baseline="0" noProof="0" dirty="0">
+                  <a:ln>
+                    <a:noFill/>
+                  </a:ln>
+                  <a:solidFill>
+                    <a:prstClr val="white"/>
+                  </a:solidFill>
+                  <a:effectLst/>
+                  <a:uLnTx/>
+                  <a:uFillTx/>
+                  <a:latin typeface="Calibri" panose="020F0502020204030204"/>
+                  <a:ea typeface="+mn-ea"/>
+                  <a:cs typeface="+mn-cs"/>
+                </a:rPr>
+                <a:t>Query Rewriter</a:t>
+              </a:r>
+            </a:p>
+          </p:txBody>
+        </p:sp>
+        <p:sp>
+          <p:nvSpPr>
+            <p:cNvPr id="10" name="Rounded Rectangle 9"/>
+            <p:cNvSpPr/>
+            <p:nvPr/>
+          </p:nvSpPr>
+          <p:spPr>
+            <a:xfrm>
+              <a:off x="1213945" y="1684302"/>
+              <a:ext cx="4014952" cy="551785"/>
+            </a:xfrm>
+            <a:prstGeom prst="roundRect">
+              <a:avLst/>
+            </a:prstGeom>
+            <a:solidFill>
+              <a:schemeClr val="accent3"/>
+            </a:solidFill>
+            <a:ln>
+              <a:noFill/>
+            </a:ln>
+          </p:spPr>
+          <p:style>
+            <a:lnRef idx="0">
+              <a:scrgbClr r="0" g="0" b="0"/>
+            </a:lnRef>
+            <a:fillRef idx="0">
+              <a:scrgbClr r="0" g="0" b="0"/>
+            </a:fillRef>
+            <a:effectRef idx="0">
+              <a:scrgbClr r="0" g="0" b="0"/>
+            </a:effectRef>
+            <a:fontRef idx="minor">
+              <a:schemeClr val="lt1"/>
+            </a:fontRef>
+          </p:style>
+          <p:txBody>
+            <a:bodyPr rtlCol="0" anchor="ctr"/>
+            <a:lstStyle/>
+            <a:p>
+              <a:pPr marL="0" marR="0" lvl="0" indent="0" algn="ctr" defTabSz="914400" rtl="0" eaLnBrk="1" fontAlgn="auto" latinLnBrk="0" hangingPunct="1">
+                <a:lnSpc>
+                  <a:spcPct val="100000"/>
+                </a:lnSpc>
+                <a:spcBef>
+                  <a:spcPts val="0"/>
+                </a:spcBef>
+                <a:spcAft>
+                  <a:spcPts val="0"/>
+                </a:spcAft>
+                <a:buClrTx/>
+                <a:buSzTx/>
+                <a:buFontTx/>
+                <a:buNone/>
+                <a:tabLst/>
+                <a:defRPr/>
+              </a:pPr>
+              <a:r>
+                <a:rPr kumimoji="0" lang="en-US" sz="1800" b="0" i="0" u="none" strike="noStrike" kern="1200" cap="none" spc="0" normalizeH="0" baseline="0" noProof="0" dirty="0" smtClean="0">
+                  <a:ln>
+                    <a:noFill/>
+                  </a:ln>
+                  <a:solidFill>
+                    <a:prstClr val="white"/>
+                  </a:solidFill>
+                  <a:effectLst/>
+                  <a:uLnTx/>
+                  <a:uFillTx/>
+                  <a:latin typeface="Calibri" panose="020F0502020204030204"/>
+                  <a:ea typeface="+mn-ea"/>
+                  <a:cs typeface="+mn-cs"/>
+                </a:rPr>
+                <a:t>Query Parser</a:t>
+              </a:r>
+              <a:endParaRPr kumimoji="0" lang="en-US" sz="1800" b="0" i="0" u="none" strike="noStrike" kern="1200" cap="none" spc="0" normalizeH="0" baseline="0" noProof="0" dirty="0">
+                <a:ln>
+                  <a:noFill/>
+                </a:ln>
+                <a:solidFill>
+                  <a:prstClr val="white"/>
+                </a:solidFill>
+                <a:effectLst/>
+                <a:uLnTx/>
+                <a:uFillTx/>
+                <a:latin typeface="Calibri" panose="020F0502020204030204"/>
+                <a:ea typeface="+mn-ea"/>
+                <a:cs typeface="+mn-cs"/>
+              </a:endParaRPr>
+            </a:p>
+          </p:txBody>
+        </p:sp>
+        <p:sp>
+          <p:nvSpPr>
+            <p:cNvPr id="5" name="TextBox 4"/>
+            <p:cNvSpPr txBox="1"/>
+            <p:nvPr/>
+          </p:nvSpPr>
+          <p:spPr>
+            <a:xfrm>
+              <a:off x="1143295" y="4113813"/>
+              <a:ext cx="3394453" cy="505344"/>
+            </a:xfrm>
+            <a:prstGeom prst="rect">
+              <a:avLst/>
+            </a:prstGeom>
+            <a:noFill/>
+          </p:spPr>
+          <p:txBody>
+            <a:bodyPr wrap="square" rtlCol="0">
+              <a:spAutoFit/>
+            </a:bodyPr>
+            <a:lstStyle/>
+            <a:p>
+              <a:pPr marL="0" marR="0" lvl="0" indent="0" algn="l" defTabSz="914400" rtl="0" eaLnBrk="1" fontAlgn="auto" latinLnBrk="0" hangingPunct="1">
+                <a:lnSpc>
+                  <a:spcPct val="100000"/>
+                </a:lnSpc>
+                <a:spcBef>
+                  <a:spcPts val="0"/>
+                </a:spcBef>
+                <a:spcAft>
+                  <a:spcPts val="0"/>
+                </a:spcAft>
+                <a:buClrTx/>
+                <a:buSzTx/>
+                <a:buFontTx/>
+                <a:buNone/>
+                <a:tabLst/>
+                <a:defRPr/>
+              </a:pPr>
+              <a:r>
+                <a:rPr kumimoji="0" lang="en-US" altLang="zh-CN" sz="1800" b="0" i="0" u="none" strike="noStrike" kern="1200" cap="none" spc="0" normalizeH="0" baseline="0" noProof="0" dirty="0" smtClean="0">
+                  <a:ln>
+                    <a:noFill/>
+                  </a:ln>
+                  <a:solidFill>
+                    <a:prstClr val="black"/>
+                  </a:solidFill>
+                  <a:effectLst/>
+                  <a:uLnTx/>
+                  <a:uFillTx/>
+                  <a:latin typeface="Calibri" panose="020F0502020204030204"/>
+                  <a:ea typeface="宋体" panose="02010600030101010101" pitchFamily="2" charset="-122"/>
+                  <a:cs typeface="+mn-cs"/>
+                </a:rPr>
+                <a:t>SQL</a:t>
+              </a:r>
+              <a:r>
+                <a:rPr kumimoji="0" lang="en-US" sz="1800" b="0" i="0" u="none" strike="noStrike" kern="1200" cap="none" spc="0" normalizeH="0" baseline="0" noProof="0" dirty="0" smtClean="0">
+                  <a:ln>
+                    <a:noFill/>
+                  </a:ln>
+                  <a:solidFill>
+                    <a:prstClr val="black"/>
+                  </a:solidFill>
+                  <a:effectLst/>
+                  <a:uLnTx/>
+                  <a:uFillTx/>
+                  <a:latin typeface="Calibri" panose="020F0502020204030204"/>
+                  <a:ea typeface="+mn-ea"/>
+                  <a:cs typeface="+mn-cs"/>
+                </a:rPr>
+                <a:t> Software</a:t>
+              </a:r>
+              <a:endParaRPr kumimoji="0" lang="en-US" sz="1800" b="0" i="0" u="none" strike="noStrike" kern="1200" cap="none" spc="0" normalizeH="0" baseline="0" noProof="0" dirty="0">
+                <a:ln>
+                  <a:noFill/>
+                </a:ln>
+                <a:solidFill>
+                  <a:prstClr val="black"/>
+                </a:solidFill>
+                <a:effectLst/>
+                <a:uLnTx/>
+                <a:uFillTx/>
+                <a:latin typeface="Calibri" panose="020F0502020204030204"/>
+                <a:ea typeface="+mn-ea"/>
+                <a:cs typeface="+mn-cs"/>
+              </a:endParaRPr>
+            </a:p>
+          </p:txBody>
+        </p:sp>
+      </p:grpSp>
       <p:sp>
         <p:nvSpPr>
           <p:cNvPr id="21" name="Rounded Rectangle 20"/>
@@ -3386,7 +3746,7 @@
         </p:nvSpPr>
         <p:spPr>
           <a:xfrm>
-            <a:off x="1213945" y="5445485"/>
+            <a:off x="2014045" y="5445485"/>
             <a:ext cx="4014952" cy="705323"/>
           </a:xfrm>
           <a:prstGeom prst="roundRect">
@@ -3411,51 +3771,37 @@
           <a:bodyPr rtlCol="0" anchor="ctr"/>
           <a:lstStyle/>
           <a:p>
-            <a:pPr algn="ctr"/>
-            <a:endParaRPr lang="en-US" dirty="0"/>
-          </a:p>
-        </p:txBody>
-      </p:sp>
-      <p:sp>
-        <p:nvSpPr>
-          <p:cNvPr id="46" name="Up-Down Arrow 45"/>
-          <p:cNvSpPr/>
-          <p:nvPr/>
-        </p:nvSpPr>
-        <p:spPr>
-          <a:xfrm>
-            <a:off x="2061934" y="4574481"/>
-            <a:ext cx="334140" cy="464346"/>
-          </a:xfrm>
-          <a:prstGeom prst="upDownArrow">
-            <a:avLst>
-              <a:gd name="adj1" fmla="val 50000"/>
-              <a:gd name="adj2" fmla="val 20304"/>
-            </a:avLst>
-          </a:prstGeom>
-        </p:spPr>
-        <p:style>
-          <a:lnRef idx="2">
-            <a:schemeClr val="dk1">
-              <a:shade val="50000"/>
-            </a:schemeClr>
-          </a:lnRef>
-          <a:fillRef idx="1">
-            <a:schemeClr val="dk1"/>
-          </a:fillRef>
-          <a:effectRef idx="0">
-            <a:schemeClr val="dk1"/>
-          </a:effectRef>
-          <a:fontRef idx="minor">
-            <a:schemeClr val="lt1"/>
-          </a:fontRef>
-        </p:style>
-        <p:txBody>
-          <a:bodyPr rtlCol="0" anchor="ctr"/>
-          <a:lstStyle/>
-          <a:p>
-            <a:pPr algn="ctr"/>
-            <a:endParaRPr lang="en-US"/>
+            <a:pPr marL="0" marR="0" lvl="0" indent="0" algn="ctr" defTabSz="914400" rtl="0" eaLnBrk="1" fontAlgn="auto" latinLnBrk="0" hangingPunct="1">
+              <a:lnSpc>
+                <a:spcPct val="100000"/>
+              </a:lnSpc>
+              <a:spcBef>
+                <a:spcPts val="0"/>
+              </a:spcBef>
+              <a:spcAft>
+                <a:spcPts val="0"/>
+              </a:spcAft>
+              <a:buClrTx/>
+              <a:buSzTx/>
+              <a:buFontTx/>
+              <a:buNone/>
+              <a:tabLst/>
+              <a:defRPr/>
+            </a:pPr>
+            <a:endParaRPr kumimoji="0" lang="en-US" sz="1800" b="0" i="0" u="none" strike="noStrike" kern="1200" cap="none" spc="0" normalizeH="0" baseline="0" noProof="0" dirty="0">
+              <a:ln>
+                <a:noFill/>
+              </a:ln>
+              <a:solidFill>
+                <a:prstClr val="black"/>
+              </a:solidFill>
+              <a:effectLst/>
+              <a:uLnTx/>
+              <a:uFillTx/>
+              <a:latin typeface="Calibri" panose="020F0502020204030204"/>
+              <a:ea typeface="+mn-ea"/>
+              <a:cs typeface="+mn-cs"/>
+            </a:endParaRPr>
           </a:p>
         </p:txBody>
       </p:sp>
@@ -3467,7 +3813,7 @@
         </p:nvCxnSpPr>
         <p:spPr>
           <a:xfrm flipV="1">
-            <a:off x="190500" y="4743445"/>
+            <a:off x="136213" y="4839093"/>
             <a:ext cx="5994400" cy="6355"/>
           </a:xfrm>
           <a:prstGeom prst="line">
@@ -3500,55 +3846,13 @@
       </p:cxnSp>
       <p:sp>
         <p:nvSpPr>
-          <p:cNvPr id="51" name="Rounded Rectangle 50"/>
-          <p:cNvSpPr/>
-          <p:nvPr/>
-        </p:nvSpPr>
-        <p:spPr>
-          <a:xfrm>
-            <a:off x="1223797" y="5038827"/>
-            <a:ext cx="1997624" cy="350443"/>
-          </a:xfrm>
-          <a:prstGeom prst="roundRect">
-            <a:avLst/>
-          </a:prstGeom>
-        </p:spPr>
-        <p:style>
-          <a:lnRef idx="1">
-            <a:schemeClr val="accent3"/>
-          </a:lnRef>
-          <a:fillRef idx="2">
-            <a:schemeClr val="accent3"/>
-          </a:fillRef>
-          <a:effectRef idx="1">
-            <a:schemeClr val="accent3"/>
-          </a:effectRef>
-          <a:fontRef idx="minor">
-            <a:schemeClr val="dk1"/>
-          </a:fontRef>
-        </p:style>
-        <p:txBody>
-          <a:bodyPr rtlCol="0" anchor="ctr"/>
-          <a:lstStyle/>
-          <a:p>
-            <a:pPr algn="ctr"/>
-            <a:r>
-              <a:rPr lang="en-US" dirty="0" smtClean="0"/>
-              <a:t>Flash Controller</a:t>
-            </a:r>
-            <a:endParaRPr lang="en-US" dirty="0"/>
-          </a:p>
-        </p:txBody>
-      </p:sp>
-      <p:sp>
-        <p:nvSpPr>
           <p:cNvPr id="53" name="TextBox 52"/>
           <p:cNvSpPr txBox="1"/>
           <p:nvPr/>
         </p:nvSpPr>
         <p:spPr>
           <a:xfrm>
-            <a:off x="1336082" y="5580528"/>
+            <a:off x="2136182" y="5580528"/>
             <a:ext cx="2118319" cy="369332"/>
           </a:xfrm>
           <a:prstGeom prst="rect">
@@ -3562,11 +3866,54 @@
           </a:bodyPr>
           <a:lstStyle/>
           <a:p>
-            <a:r>
-              <a:rPr lang="en-US" dirty="0" smtClean="0"/>
+            <a:pPr marL="0" marR="0" lvl="0" indent="0" algn="l" defTabSz="914400" rtl="0" eaLnBrk="1" fontAlgn="auto" latinLnBrk="0" hangingPunct="1">
+              <a:lnSpc>
+                <a:spcPct val="100000"/>
+              </a:lnSpc>
+              <a:spcBef>
+                <a:spcPts val="0"/>
+              </a:spcBef>
+              <a:spcAft>
+                <a:spcPts val="0"/>
+              </a:spcAft>
+              <a:buClrTx/>
+              <a:buSzTx/>
+              <a:buFontTx/>
+              <a:buNone/>
+              <a:tabLst/>
+              <a:defRPr/>
+            </a:pPr>
+            <a:r>
+              <a:rPr kumimoji="0" lang="en-US" sz="1800" b="0" i="0" u="none" strike="noStrike" kern="1200" cap="none" spc="0" normalizeH="0" baseline="0" noProof="0" dirty="0" smtClean="0">
+                <a:ln>
+                  <a:noFill/>
+                </a:ln>
+                <a:solidFill>
+                  <a:prstClr val="black"/>
+                </a:solidFill>
+                <a:effectLst/>
+                <a:uLnTx/>
+                <a:uFillTx/>
+                <a:latin typeface="Calibri" panose="020F0502020204030204"/>
+                <a:ea typeface="+mn-ea"/>
+                <a:cs typeface="+mn-cs"/>
+              </a:rPr>
               <a:t>NAND Flash</a:t>
             </a:r>
-            <a:endParaRPr lang="en-US" dirty="0"/>
+            <a:endParaRPr kumimoji="0" lang="en-US" sz="1800" b="0" i="0" u="none" strike="noStrike" kern="1200" cap="none" spc="0" normalizeH="0" baseline="0" noProof="0" dirty="0">
+              <a:ln>
+                <a:noFill/>
+              </a:ln>
+              <a:solidFill>
+                <a:prstClr val="black"/>
+              </a:solidFill>
+              <a:effectLst/>
+              <a:uLnTx/>
+              <a:uFillTx/>
+              <a:latin typeface="Calibri" panose="020F0502020204030204"/>
+              <a:ea typeface="+mn-ea"/>
+              <a:cs typeface="+mn-cs"/>
+            </a:endParaRPr>
           </a:p>
         </p:txBody>
       </p:sp>
@@ -3578,7 +3925,7 @@
         </p:nvSpPr>
         <p:spPr>
           <a:xfrm>
-            <a:off x="2743200" y="5536943"/>
+            <a:off x="3543300" y="5536943"/>
             <a:ext cx="2398550" cy="552567"/>
           </a:xfrm>
           <a:prstGeom prst="roundRect">
@@ -3606,12 +3953,54 @@
           <a:bodyPr rtlCol="0" anchor="ctr"/>
           <a:lstStyle/>
           <a:p>
-            <a:pPr algn="ctr"/>
-            <a:r>
-              <a:rPr lang="en-US" dirty="0" smtClean="0"/>
+            <a:pPr marL="0" marR="0" lvl="0" indent="0" algn="ctr" defTabSz="914400" rtl="0" eaLnBrk="1" fontAlgn="auto" latinLnBrk="0" hangingPunct="1">
+              <a:lnSpc>
+                <a:spcPct val="100000"/>
+              </a:lnSpc>
+              <a:spcBef>
+                <a:spcPts val="0"/>
+              </a:spcBef>
+              <a:spcAft>
+                <a:spcPts val="0"/>
+              </a:spcAft>
+              <a:buClrTx/>
+              <a:buSzTx/>
+              <a:buFontTx/>
+              <a:buNone/>
+              <a:tabLst/>
+              <a:defRPr/>
+            </a:pPr>
+            <a:r>
+              <a:rPr kumimoji="0" lang="en-US" sz="1800" b="0" i="0" u="none" strike="noStrike" kern="1200" cap="none" spc="0" normalizeH="0" baseline="0" noProof="0" dirty="0" smtClean="0">
+                <a:ln>
+                  <a:noFill/>
+                </a:ln>
+                <a:solidFill>
+                  <a:prstClr val="black"/>
+                </a:solidFill>
+                <a:effectLst/>
+                <a:uLnTx/>
+                <a:uFillTx/>
+                <a:latin typeface="Calibri" panose="020F0502020204030204"/>
+                <a:ea typeface="+mn-ea"/>
+                <a:cs typeface="+mn-cs"/>
+              </a:rPr>
               <a:t>DB Tables</a:t>
             </a:r>
-            <a:endParaRPr lang="en-US" dirty="0"/>
+            <a:endParaRPr kumimoji="0" lang="en-US" sz="1800" b="0" i="0" u="none" strike="noStrike" kern="1200" cap="none" spc="0" normalizeH="0" baseline="0" noProof="0" dirty="0">
+              <a:ln>
+                <a:noFill/>
+              </a:ln>
+              <a:solidFill>
+                <a:prstClr val="black"/>
+              </a:solidFill>
+              <a:effectLst/>
+              <a:uLnTx/>
+              <a:uFillTx/>
+              <a:latin typeface="Calibri" panose="020F0502020204030204"/>
+              <a:ea typeface="+mn-ea"/>
+              <a:cs typeface="+mn-cs"/>
+            </a:endParaRPr>
           </a:p>
         </p:txBody>
       </p:sp>
@@ -3637,11 +4026,54 @@
           </a:bodyPr>
           <a:lstStyle/>
           <a:p>
-            <a:r>
-              <a:rPr lang="en-US" dirty="0" smtClean="0"/>
+            <a:pPr marL="0" marR="0" lvl="0" indent="0" algn="l" defTabSz="914400" rtl="0" eaLnBrk="1" fontAlgn="auto" latinLnBrk="0" hangingPunct="1">
+              <a:lnSpc>
+                <a:spcPct val="100000"/>
+              </a:lnSpc>
+              <a:spcBef>
+                <a:spcPts val="0"/>
+              </a:spcBef>
+              <a:spcAft>
+                <a:spcPts val="0"/>
+              </a:spcAft>
+              <a:buClrTx/>
+              <a:buSzTx/>
+              <a:buFontTx/>
+              <a:buNone/>
+              <a:tabLst/>
+              <a:defRPr/>
+            </a:pPr>
+            <a:r>
+              <a:rPr kumimoji="0" lang="en-US" sz="1800" b="0" i="0" u="none" strike="noStrike" kern="1200" cap="none" spc="0" normalizeH="0" baseline="0" noProof="0" dirty="0" smtClean="0">
+                <a:ln>
+                  <a:noFill/>
+                </a:ln>
+                <a:solidFill>
+                  <a:prstClr val="black"/>
+                </a:solidFill>
+                <a:effectLst/>
+                <a:uLnTx/>
+                <a:uFillTx/>
+                <a:latin typeface="Calibri" panose="020F0502020204030204"/>
+                <a:ea typeface="+mn-ea"/>
+                <a:cs typeface="+mn-cs"/>
+              </a:rPr>
               <a:t>Storage</a:t>
             </a:r>
-            <a:endParaRPr lang="en-US" dirty="0"/>
+            <a:endParaRPr kumimoji="0" lang="en-US" sz="1800" b="0" i="0" u="none" strike="noStrike" kern="1200" cap="none" spc="0" normalizeH="0" baseline="0" noProof="0" dirty="0">
+              <a:ln>
+                <a:noFill/>
+              </a:ln>
+              <a:solidFill>
+                <a:prstClr val="black"/>
+              </a:solidFill>
+              <a:effectLst/>
+              <a:uLnTx/>
+              <a:uFillTx/>
+              <a:latin typeface="Calibri" panose="020F0502020204030204"/>
+              <a:ea typeface="+mn-ea"/>
+              <a:cs typeface="+mn-cs"/>
+            </a:endParaRPr>
           </a:p>
         </p:txBody>
       </p:sp>
@@ -3667,68 +4099,179 @@
           </a:bodyPr>
           <a:lstStyle/>
           <a:p>
-            <a:r>
-              <a:rPr lang="en-US" dirty="0" smtClean="0"/>
-              <a:t>Processor</a:t>
-            </a:r>
-            <a:endParaRPr lang="en-US" dirty="0"/>
-          </a:p>
-        </p:txBody>
-      </p:sp>
-      <p:sp>
-        <p:nvSpPr>
-          <p:cNvPr id="57" name="Rounded Rectangle 56"/>
-          <p:cNvSpPr/>
+            <a:pPr marL="0" marR="0" lvl="0" indent="0" algn="l" defTabSz="914400" rtl="0" eaLnBrk="1" fontAlgn="auto" latinLnBrk="0" hangingPunct="1">
+              <a:lnSpc>
+                <a:spcPct val="100000"/>
+              </a:lnSpc>
+              <a:spcBef>
+                <a:spcPts val="0"/>
+              </a:spcBef>
+              <a:spcAft>
+                <a:spcPts val="0"/>
+              </a:spcAft>
+              <a:buClrTx/>
+              <a:buSzTx/>
+              <a:buFontTx/>
+              <a:buNone/>
+              <a:tabLst/>
+              <a:defRPr/>
+            </a:pPr>
+            <a:r>
+              <a:rPr kumimoji="0" lang="en-US" sz="1800" b="0" i="0" u="none" strike="noStrike" kern="1200" cap="none" spc="0" normalizeH="0" baseline="0" noProof="0" dirty="0" smtClean="0">
+                <a:ln>
+                  <a:noFill/>
+                </a:ln>
+                <a:solidFill>
+                  <a:prstClr val="black"/>
+                </a:solidFill>
+                <a:effectLst/>
+                <a:uLnTx/>
+                <a:uFillTx/>
+                <a:latin typeface="Calibri" panose="020F0502020204030204"/>
+                <a:ea typeface="+mn-ea"/>
+                <a:cs typeface="+mn-cs"/>
+              </a:rPr>
+              <a:t>Compute</a:t>
+            </a:r>
+            <a:endParaRPr kumimoji="0" lang="en-US" sz="1800" b="0" i="0" u="none" strike="noStrike" kern="1200" cap="none" spc="0" normalizeH="0" baseline="0" noProof="0" dirty="0">
+              <a:ln>
+                <a:noFill/>
+              </a:ln>
+              <a:solidFill>
+                <a:prstClr val="black"/>
+              </a:solidFill>
+              <a:effectLst/>
+              <a:uLnTx/>
+              <a:uFillTx/>
+              <a:latin typeface="Calibri" panose="020F0502020204030204"/>
+              <a:ea typeface="+mn-ea"/>
+              <a:cs typeface="+mn-cs"/>
+            </a:endParaRPr>
+          </a:p>
+        </p:txBody>
+      </p:sp>
+      <p:sp>
+        <p:nvSpPr>
+          <p:cNvPr id="76" name="TextBox 75"/>
+          <p:cNvSpPr txBox="1"/>
           <p:nvPr/>
         </p:nvSpPr>
         <p:spPr>
           <a:xfrm>
-            <a:off x="3284373" y="5040378"/>
-            <a:ext cx="1997624" cy="350443"/>
+            <a:off x="70219" y="4476116"/>
+            <a:ext cx="2185735" cy="369332"/>
           </a:xfrm>
-          <a:prstGeom prst="roundRect">
+          <a:prstGeom prst="rect">
             <a:avLst/>
           </a:prstGeom>
+          <a:noFill/>
+        </p:spPr>
+        <p:txBody>
+          <a:bodyPr wrap="square" rtlCol="0">
+            <a:spAutoFit/>
+          </a:bodyPr>
+          <a:lstStyle/>
+          <a:p>
+            <a:pPr marL="0" marR="0" lvl="0" indent="0" algn="l" defTabSz="914400" rtl="0" eaLnBrk="1" fontAlgn="auto" latinLnBrk="0" hangingPunct="1">
+              <a:lnSpc>
+                <a:spcPct val="100000"/>
+              </a:lnSpc>
+              <a:spcBef>
+                <a:spcPts val="0"/>
+              </a:spcBef>
+              <a:spcAft>
+                <a:spcPts val="0"/>
+              </a:spcAft>
+              <a:buClrTx/>
+              <a:buSzTx/>
+              <a:buFontTx/>
+              <a:buNone/>
+              <a:tabLst/>
+              <a:defRPr/>
+            </a:pPr>
+            <a:r>
+              <a:rPr kumimoji="0" lang="en-US" sz="1800" b="0" i="0" u="none" strike="noStrike" kern="1200" cap="none" spc="0" normalizeH="0" baseline="0" noProof="0" dirty="0" smtClean="0">
+                <a:ln>
+                  <a:noFill/>
+                </a:ln>
+                <a:solidFill>
+                  <a:prstClr val="black"/>
+                </a:solidFill>
+                <a:effectLst/>
+                <a:uLnTx/>
+                <a:uFillTx/>
+                <a:latin typeface="Calibri" panose="020F0502020204030204"/>
+                <a:ea typeface="+mn-ea"/>
+                <a:cs typeface="+mn-cs"/>
+              </a:rPr>
+              <a:t>Storage Network</a:t>
+            </a:r>
+            <a:endParaRPr kumimoji="0" lang="en-US" sz="1800" b="0" i="0" u="none" strike="noStrike" kern="1200" cap="none" spc="0" normalizeH="0" baseline="0" noProof="0" dirty="0">
+              <a:ln>
+                <a:noFill/>
+              </a:ln>
+              <a:solidFill>
+                <a:prstClr val="black"/>
+              </a:solidFill>
+              <a:effectLst/>
+              <a:uLnTx/>
+              <a:uFillTx/>
+              <a:latin typeface="Calibri" panose="020F0502020204030204"/>
+              <a:ea typeface="+mn-ea"/>
+              <a:cs typeface="+mn-cs"/>
+            </a:endParaRPr>
+          </a:p>
+        </p:txBody>
+      </p:sp>
+      <p:cxnSp>
+        <p:nvCxnSpPr>
+          <p:cNvPr id="24" name="Straight Connector 23"/>
+          <p:cNvCxnSpPr/>
+          <p:nvPr/>
+        </p:nvCxnSpPr>
+        <p:spPr>
+          <a:xfrm flipV="1">
+            <a:off x="136213" y="4458460"/>
+            <a:ext cx="5994400" cy="6355"/>
+          </a:xfrm>
+          <a:prstGeom prst="line">
+            <a:avLst/>
+          </a:prstGeom>
+          <a:ln w="9525" cap="flat" cmpd="sng" algn="ctr">
+            <a:solidFill>
+              <a:schemeClr val="dk1"/>
+            </a:solidFill>
+            <a:prstDash val="dash"/>
+            <a:round/>
+            <a:headEnd type="none" w="med" len="med"/>
+            <a:tailEnd type="none" w="med" len="med"/>
+          </a:ln>
         </p:spPr>
         <p:style>
-          <a:lnRef idx="1">
-            <a:schemeClr val="dk1"/>
+          <a:lnRef idx="0">
+            <a:scrgbClr r="0" g="0" b="0"/>
           </a:lnRef>
-          <a:fillRef idx="3">
-            <a:schemeClr val="dk1"/>
+          <a:fillRef idx="0">
+            <a:scrgbClr r="0" g="0" b="0"/>
           </a:fillRef>
-          <a:effectRef idx="2">
-            <a:schemeClr val="dk1"/>
+          <a:effectRef idx="0">
+            <a:scrgbClr r="0" g="0" b="0"/>
           </a:effectRef>
           <a:fontRef idx="minor">
-            <a:schemeClr val="lt1"/>
+            <a:schemeClr val="tx1"/>
           </a:fontRef>
         </p:style>
-        <p:txBody>
-          <a:bodyPr rtlCol="0" anchor="ctr"/>
-          <a:lstStyle/>
-          <a:p>
-            <a:pPr algn="ctr"/>
-            <a:r>
-              <a:rPr lang="en-US" dirty="0" smtClean="0"/>
-              <a:t>Query Accelerators</a:t>
-            </a:r>
-            <a:endParaRPr lang="en-US" dirty="0"/>
-          </a:p>
-        </p:txBody>
-      </p:sp>
+      </p:cxnSp>
       <p:cxnSp>
         <p:nvCxnSpPr>
-          <p:cNvPr id="58" name="Straight Arrow Connector 57"/>
-          <p:cNvCxnSpPr>
-            <a:endCxn id="57" idx="0"/>
-          </p:cNvCxnSpPr>
+          <p:cNvPr id="25" name="Straight Arrow Connector 24"/>
+          <p:cNvCxnSpPr/>
           <p:nvPr/>
         </p:nvCxnSpPr>
         <p:spPr>
           <a:xfrm>
-            <a:off x="4283185" y="4247600"/>
-            <a:ext cx="0" cy="792778"/>
+            <a:off x="4748213" y="4089022"/>
+            <a:ext cx="13341" cy="937514"/>
           </a:xfrm>
           <a:prstGeom prst="straightConnector1">
             <a:avLst/>
@@ -3755,13 +4298,13 @@
       </p:cxnSp>
       <p:sp>
         <p:nvSpPr>
-          <p:cNvPr id="67" name="TextBox 66"/>
+          <p:cNvPr id="27" name="TextBox 26"/>
           <p:cNvSpPr txBox="1"/>
           <p:nvPr/>
         </p:nvSpPr>
         <p:spPr>
           <a:xfrm>
-            <a:off x="4201292" y="4454313"/>
+            <a:off x="4801708" y="4459914"/>
             <a:ext cx="2699407" cy="369332"/>
           </a:xfrm>
           <a:prstGeom prst="rect">
@@ -3776,8 +4319,8 @@
           <a:lstStyle/>
           <a:p>
             <a:r>
-              <a:rPr lang="en-US" dirty="0" smtClean="0"/>
-              <a:t>Offload Parameters</a:t>
+              <a:rPr lang="en-US" altLang="zh-CN" dirty="0" smtClean="0"/>
+              <a:t>NDP RPCs</a:t>
             </a:r>
             <a:endParaRPr lang="en-US" dirty="0"/>
           </a:p>
@@ -3785,14 +4328,14 @@
       </p:sp>
       <p:sp>
         <p:nvSpPr>
-          <p:cNvPr id="75" name="Up Arrow 74"/>
+          <p:cNvPr id="28" name="Up Arrow 27"/>
           <p:cNvSpPr/>
           <p:nvPr/>
         </p:nvSpPr>
         <p:spPr>
           <a:xfrm>
-            <a:off x="4018455" y="4573772"/>
-            <a:ext cx="167008" cy="474577"/>
+            <a:off x="4443747" y="4102864"/>
+            <a:ext cx="107182" cy="923998"/>
           </a:xfrm>
           <a:prstGeom prst="upArrow">
             <a:avLst>
@@ -3828,43 +4371,13 @@
       </p:sp>
       <p:sp>
         <p:nvSpPr>
-          <p:cNvPr id="76" name="TextBox 75"/>
+          <p:cNvPr id="29" name="TextBox 28"/>
           <p:cNvSpPr txBox="1"/>
           <p:nvPr/>
         </p:nvSpPr>
         <p:spPr>
           <a:xfrm>
-            <a:off x="1165773" y="4679017"/>
-            <a:ext cx="950967" cy="369332"/>
-          </a:xfrm>
-          <a:prstGeom prst="rect">
-            <a:avLst/>
-          </a:prstGeom>
-          <a:noFill/>
-        </p:spPr>
-        <p:txBody>
-          <a:bodyPr wrap="square" rtlCol="0">
-            <a:spAutoFit/>
-          </a:bodyPr>
-          <a:lstStyle/>
-          <a:p>
-            <a:r>
-              <a:rPr lang="en-US" dirty="0" smtClean="0"/>
-              <a:t>Disk IOs</a:t>
-            </a:r>
-            <a:endParaRPr lang="en-US" dirty="0"/>
-          </a:p>
-        </p:txBody>
-      </p:sp>
-      <p:sp>
-        <p:nvSpPr>
-          <p:cNvPr id="77" name="TextBox 76"/>
-          <p:cNvSpPr txBox="1"/>
-          <p:nvPr/>
-        </p:nvSpPr>
-        <p:spPr>
-          <a:xfrm>
-            <a:off x="2530737" y="4685677"/>
+            <a:off x="2899407" y="4455695"/>
             <a:ext cx="1632388" cy="369332"/>
           </a:xfrm>
           <a:prstGeom prst="rect">
@@ -3880,7 +4393,95 @@
           <a:p>
             <a:r>
               <a:rPr lang="en-US" dirty="0" smtClean="0"/>
-              <a:t>Offload Results</a:t>
+              <a:t>NDP </a:t>
+            </a:r>
+            <a:r>
+              <a:rPr lang="en-US" dirty="0" smtClean="0"/>
+              <a:t>Results</a:t>
+            </a:r>
+            <a:endParaRPr lang="en-US" dirty="0"/>
+          </a:p>
+        </p:txBody>
+      </p:sp>
+      <p:sp>
+        <p:nvSpPr>
+          <p:cNvPr id="30" name="Rounded Rectangle 29"/>
+          <p:cNvSpPr/>
+          <p:nvPr/>
+        </p:nvSpPr>
+        <p:spPr>
+          <a:xfrm>
+            <a:off x="2011197" y="5038827"/>
+            <a:ext cx="1803904" cy="350443"/>
+          </a:xfrm>
+          <a:prstGeom prst="roundRect">
+            <a:avLst/>
+          </a:prstGeom>
+        </p:spPr>
+        <p:style>
+          <a:lnRef idx="1">
+            <a:schemeClr val="accent3"/>
+          </a:lnRef>
+          <a:fillRef idx="2">
+            <a:schemeClr val="accent3"/>
+          </a:fillRef>
+          <a:effectRef idx="1">
+            <a:schemeClr val="accent3"/>
+          </a:effectRef>
+          <a:fontRef idx="minor">
+            <a:schemeClr val="dk1"/>
+          </a:fontRef>
+        </p:style>
+        <p:txBody>
+          <a:bodyPr rtlCol="0" anchor="ctr"/>
+          <a:lstStyle/>
+          <a:p>
+            <a:pPr algn="ctr"/>
+            <a:r>
+              <a:rPr lang="en-US" dirty="0" smtClean="0"/>
+              <a:t>Flash Controller</a:t>
+            </a:r>
+            <a:endParaRPr lang="en-US" dirty="0"/>
+          </a:p>
+        </p:txBody>
+      </p:sp>
+      <p:sp>
+        <p:nvSpPr>
+          <p:cNvPr id="31" name="Rounded Rectangle 30"/>
+          <p:cNvSpPr/>
+          <p:nvPr/>
+        </p:nvSpPr>
+        <p:spPr>
+          <a:xfrm>
+            <a:off x="3890753" y="5040378"/>
+            <a:ext cx="2178644" cy="350443"/>
+          </a:xfrm>
+          <a:prstGeom prst="roundRect">
+            <a:avLst/>
+          </a:prstGeom>
+        </p:spPr>
+        <p:style>
+          <a:lnRef idx="1">
+            <a:schemeClr val="accent2"/>
+          </a:lnRef>
+          <a:fillRef idx="3">
+            <a:schemeClr val="accent2"/>
+          </a:fillRef>
+          <a:effectRef idx="2">
+            <a:schemeClr val="accent2"/>
+          </a:effectRef>
+          <a:fontRef idx="minor">
+            <a:schemeClr val="lt1"/>
+          </a:fontRef>
+        </p:style>
+        <p:txBody>
+          <a:bodyPr rtlCol="0" anchor="ctr"/>
+          <a:lstStyle/>
+          <a:p>
+            <a:pPr algn="ctr"/>
+            <a:r>
+              <a:rPr lang="en-US" dirty="0" smtClean="0"/>
+              <a:t>Near Data Processor</a:t>
             </a:r>
             <a:endParaRPr lang="en-US" dirty="0"/>
           </a:p>
@@ -3889,7 +4490,7 @@
     </p:spTree>
     <p:extLst>
       <p:ext uri="{BB962C8B-B14F-4D97-AF65-F5344CB8AC3E}">
-        <p14:creationId xmlns:p14="http://schemas.microsoft.com/office/powerpoint/2010/main" val="2341254491"/>
+        <p14:creationId xmlns:p14="http://schemas.microsoft.com/office/powerpoint/2010/main" val="1899258146"/>
       </p:ext>
     </p:extLst>
   </p:cSld>
